--- a/complianceiq-intro-to-copilot-in-excel.pptx
+++ b/complianceiq-intro-to-copilot-in-excel.pptx
@@ -262,7 +262,7 @@
           <a:p>
             <a:fld id="{748F655A-7B6B-4AD7-A4D7-5A9E43C3C281}" type="datetimeFigureOut">
               <a:rPr lang="en-US" smtClean="0"/>
-              <a:t>6/13/2024</a:t>
+              <a:t>7/11/2024</a:t>
             </a:fld>
             <a:endParaRPr lang="en-US"/>
           </a:p>
@@ -460,7 +460,7 @@
           <a:p>
             <a:fld id="{748F655A-7B6B-4AD7-A4D7-5A9E43C3C281}" type="datetimeFigureOut">
               <a:rPr lang="en-US" smtClean="0"/>
-              <a:t>6/13/2024</a:t>
+              <a:t>7/11/2024</a:t>
             </a:fld>
             <a:endParaRPr lang="en-US"/>
           </a:p>
@@ -668,7 +668,7 @@
           <a:p>
             <a:fld id="{748F655A-7B6B-4AD7-A4D7-5A9E43C3C281}" type="datetimeFigureOut">
               <a:rPr lang="en-US" smtClean="0"/>
-              <a:t>6/13/2024</a:t>
+              <a:t>7/11/2024</a:t>
             </a:fld>
             <a:endParaRPr lang="en-US"/>
           </a:p>
@@ -866,7 +866,7 @@
           <a:p>
             <a:fld id="{748F655A-7B6B-4AD7-A4D7-5A9E43C3C281}" type="datetimeFigureOut">
               <a:rPr lang="en-US" smtClean="0"/>
-              <a:t>6/13/2024</a:t>
+              <a:t>7/11/2024</a:t>
             </a:fld>
             <a:endParaRPr lang="en-US"/>
           </a:p>
@@ -1141,7 +1141,7 @@
           <a:p>
             <a:fld id="{748F655A-7B6B-4AD7-A4D7-5A9E43C3C281}" type="datetimeFigureOut">
               <a:rPr lang="en-US" smtClean="0"/>
-              <a:t>6/13/2024</a:t>
+              <a:t>7/11/2024</a:t>
             </a:fld>
             <a:endParaRPr lang="en-US"/>
           </a:p>
@@ -1406,7 +1406,7 @@
           <a:p>
             <a:fld id="{748F655A-7B6B-4AD7-A4D7-5A9E43C3C281}" type="datetimeFigureOut">
               <a:rPr lang="en-US" smtClean="0"/>
-              <a:t>6/13/2024</a:t>
+              <a:t>7/11/2024</a:t>
             </a:fld>
             <a:endParaRPr lang="en-US"/>
           </a:p>
@@ -1818,7 +1818,7 @@
           <a:p>
             <a:fld id="{748F655A-7B6B-4AD7-A4D7-5A9E43C3C281}" type="datetimeFigureOut">
               <a:rPr lang="en-US" smtClean="0"/>
-              <a:t>6/13/2024</a:t>
+              <a:t>7/11/2024</a:t>
             </a:fld>
             <a:endParaRPr lang="en-US"/>
           </a:p>
@@ -1959,7 +1959,7 @@
           <a:p>
             <a:fld id="{748F655A-7B6B-4AD7-A4D7-5A9E43C3C281}" type="datetimeFigureOut">
               <a:rPr lang="en-US" smtClean="0"/>
-              <a:t>6/13/2024</a:t>
+              <a:t>7/11/2024</a:t>
             </a:fld>
             <a:endParaRPr lang="en-US"/>
           </a:p>
@@ -2072,7 +2072,7 @@
           <a:p>
             <a:fld id="{748F655A-7B6B-4AD7-A4D7-5A9E43C3C281}" type="datetimeFigureOut">
               <a:rPr lang="en-US" smtClean="0"/>
-              <a:t>6/13/2024</a:t>
+              <a:t>7/11/2024</a:t>
             </a:fld>
             <a:endParaRPr lang="en-US"/>
           </a:p>
@@ -2383,7 +2383,7 @@
           <a:p>
             <a:fld id="{748F655A-7B6B-4AD7-A4D7-5A9E43C3C281}" type="datetimeFigureOut">
               <a:rPr lang="en-US" smtClean="0"/>
-              <a:t>6/13/2024</a:t>
+              <a:t>7/11/2024</a:t>
             </a:fld>
             <a:endParaRPr lang="en-US"/>
           </a:p>
@@ -2671,7 +2671,7 @@
           <a:p>
             <a:fld id="{748F655A-7B6B-4AD7-A4D7-5A9E43C3C281}" type="datetimeFigureOut">
               <a:rPr lang="en-US" smtClean="0"/>
-              <a:t>6/13/2024</a:t>
+              <a:t>7/11/2024</a:t>
             </a:fld>
             <a:endParaRPr lang="en-US"/>
           </a:p>
@@ -2912,7 +2912,7 @@
           <a:p>
             <a:fld id="{748F655A-7B6B-4AD7-A4D7-5A9E43C3C281}" type="datetimeFigureOut">
               <a:rPr lang="en-US" smtClean="0"/>
-              <a:t>6/13/2024</a:t>
+              <a:t>7/11/2024</a:t>
             </a:fld>
             <a:endParaRPr lang="en-US"/>
           </a:p>
@@ -3468,25 +3468,25 @@
           <a:p>
             <a:r>
               <a:rPr lang="en-US" dirty="0"/>
-              <a:t>Pattern recognition beyond Flash Fill</a:t>
+              <a:t>Preparing data for Copilot</a:t>
             </a:r>
           </a:p>
           <a:p>
             <a:r>
               <a:rPr lang="en-US" dirty="0"/>
-              <a:t>Forecasting</a:t>
+              <a:t>Data formatting</a:t>
             </a:r>
           </a:p>
           <a:p>
             <a:r>
               <a:rPr lang="en-US" dirty="0"/>
-              <a:t>Linked data types</a:t>
+              <a:t>Formula and function creation</a:t>
             </a:r>
           </a:p>
           <a:p>
             <a:r>
               <a:rPr lang="en-US" dirty="0"/>
-              <a:t>Analyze Data …  </a:t>
+              <a:t>Data profiling and exploration</a:t>
             </a:r>
           </a:p>
         </p:txBody>

--- a/complianceiq-intro-to-copilot-in-excel.pptx
+++ b/complianceiq-intro-to-copilot-in-excel.pptx
@@ -7,8 +7,18 @@
   <p:sldIdLst>
     <p:sldId id="256" r:id="rId2"/>
     <p:sldId id="257" r:id="rId3"/>
-    <p:sldId id="258" r:id="rId4"/>
-    <p:sldId id="259" r:id="rId5"/>
+    <p:sldId id="260" r:id="rId4"/>
+    <p:sldId id="261" r:id="rId5"/>
+    <p:sldId id="262" r:id="rId6"/>
+    <p:sldId id="270" r:id="rId7"/>
+    <p:sldId id="263" r:id="rId8"/>
+    <p:sldId id="264" r:id="rId9"/>
+    <p:sldId id="265" r:id="rId10"/>
+    <p:sldId id="269" r:id="rId11"/>
+    <p:sldId id="266" r:id="rId12"/>
+    <p:sldId id="267" r:id="rId13"/>
+    <p:sldId id="268" r:id="rId14"/>
+    <p:sldId id="259" r:id="rId15"/>
   </p:sldIdLst>
   <p:sldSz cx="12192000" cy="6858000"/>
   <p:notesSz cx="6858000" cy="9144000"/>
@@ -3400,6 +3410,508 @@
 </p:sld>
 </file>
 
+<file path=ppt/slides/slide10.xml><?xml version="1.0" encoding="utf-8"?>
+<p:sld xmlns:a="http://schemas.openxmlformats.org/drawingml/2006/main" xmlns:r="http://schemas.openxmlformats.org/officeDocument/2006/relationships" xmlns:p="http://schemas.openxmlformats.org/presentationml/2006/main">
+  <p:cSld>
+    <p:spTree>
+      <p:nvGrpSpPr>
+        <p:cNvPr id="1" name=""/>
+        <p:cNvGrpSpPr/>
+        <p:nvPr/>
+      </p:nvGrpSpPr>
+      <p:grpSpPr>
+        <a:xfrm>
+          <a:off x="0" y="0"/>
+          <a:ext cx="0" cy="0"/>
+          <a:chOff x="0" y="0"/>
+          <a:chExt cx="0" cy="0"/>
+        </a:xfrm>
+      </p:grpSpPr>
+      <p:sp>
+        <p:nvSpPr>
+          <p:cNvPr id="2" name="Title 1">
+            <a:extLst>
+              <a:ext uri="{FF2B5EF4-FFF2-40B4-BE49-F238E27FC236}">
+                <a16:creationId xmlns:a16="http://schemas.microsoft.com/office/drawing/2014/main" id="{965A297D-E893-1286-C61B-5020649CC4EF}"/>
+              </a:ext>
+            </a:extLst>
+          </p:cNvPr>
+          <p:cNvSpPr>
+            <a:spLocks noGrp="1"/>
+          </p:cNvSpPr>
+          <p:nvPr>
+            <p:ph type="title"/>
+          </p:nvPr>
+        </p:nvSpPr>
+        <p:spPr/>
+        <p:txBody>
+          <a:bodyPr/>
+          <a:lstStyle/>
+          <a:p>
+            <a:r>
+              <a:rPr lang="en-US" dirty="0"/>
+              <a:t>What questions do you have? </a:t>
+            </a:r>
+          </a:p>
+        </p:txBody>
+      </p:sp>
+      <p:sp>
+        <p:nvSpPr>
+          <p:cNvPr id="3" name="Content Placeholder 2">
+            <a:extLst>
+              <a:ext uri="{FF2B5EF4-FFF2-40B4-BE49-F238E27FC236}">
+                <a16:creationId xmlns:a16="http://schemas.microsoft.com/office/drawing/2014/main" id="{9C97E8A1-2F49-CB7E-062E-D99507FD230D}"/>
+              </a:ext>
+            </a:extLst>
+          </p:cNvPr>
+          <p:cNvSpPr>
+            <a:spLocks noGrp="1"/>
+          </p:cNvSpPr>
+          <p:nvPr>
+            <p:ph idx="1"/>
+          </p:nvPr>
+        </p:nvSpPr>
+        <p:spPr/>
+        <p:txBody>
+          <a:bodyPr/>
+          <a:lstStyle/>
+          <a:p>
+            <a:pPr marL="0" indent="0">
+              <a:buNone/>
+            </a:pPr>
+            <a:endParaRPr lang="en-US" dirty="0"/>
+          </a:p>
+        </p:txBody>
+      </p:sp>
+    </p:spTree>
+    <p:extLst>
+      <p:ext uri="{BB962C8B-B14F-4D97-AF65-F5344CB8AC3E}">
+        <p14:creationId xmlns:p14="http://schemas.microsoft.com/office/powerpoint/2010/main" val="3874015719"/>
+      </p:ext>
+    </p:extLst>
+  </p:cSld>
+  <p:clrMapOvr>
+    <a:masterClrMapping/>
+  </p:clrMapOvr>
+</p:sld>
+</file>
+
+<file path=ppt/slides/slide11.xml><?xml version="1.0" encoding="utf-8"?>
+<p:sld xmlns:a="http://schemas.openxmlformats.org/drawingml/2006/main" xmlns:r="http://schemas.openxmlformats.org/officeDocument/2006/relationships" xmlns:p="http://schemas.openxmlformats.org/presentationml/2006/main">
+  <p:cSld>
+    <p:spTree>
+      <p:nvGrpSpPr>
+        <p:cNvPr id="1" name=""/>
+        <p:cNvGrpSpPr/>
+        <p:nvPr/>
+      </p:nvGrpSpPr>
+      <p:grpSpPr>
+        <a:xfrm>
+          <a:off x="0" y="0"/>
+          <a:ext cx="0" cy="0"/>
+          <a:chOff x="0" y="0"/>
+          <a:chExt cx="0" cy="0"/>
+        </a:xfrm>
+      </p:grpSpPr>
+      <p:sp>
+        <p:nvSpPr>
+          <p:cNvPr id="2" name="Title 1">
+            <a:extLst>
+              <a:ext uri="{FF2B5EF4-FFF2-40B4-BE49-F238E27FC236}">
+                <a16:creationId xmlns:a16="http://schemas.microsoft.com/office/drawing/2014/main" id="{81B47989-C836-CC0A-608E-2427CBD181BE}"/>
+              </a:ext>
+            </a:extLst>
+          </p:cNvPr>
+          <p:cNvSpPr>
+            <a:spLocks noGrp="1"/>
+          </p:cNvSpPr>
+          <p:nvPr>
+            <p:ph type="ctrTitle"/>
+          </p:nvPr>
+        </p:nvSpPr>
+        <p:spPr/>
+        <p:txBody>
+          <a:bodyPr/>
+          <a:lstStyle/>
+          <a:p>
+            <a:r>
+              <a:rPr lang="en-US" dirty="0"/>
+              <a:t>3. Data analysis &amp; visualization with Copilot</a:t>
+            </a:r>
+          </a:p>
+        </p:txBody>
+      </p:sp>
+      <p:sp>
+        <p:nvSpPr>
+          <p:cNvPr id="3" name="Subtitle 2">
+            <a:extLst>
+              <a:ext uri="{FF2B5EF4-FFF2-40B4-BE49-F238E27FC236}">
+                <a16:creationId xmlns:a16="http://schemas.microsoft.com/office/drawing/2014/main" id="{564D5E3A-3839-5D49-C48A-F9747014E442}"/>
+              </a:ext>
+            </a:extLst>
+          </p:cNvPr>
+          <p:cNvSpPr>
+            <a:spLocks noGrp="1"/>
+          </p:cNvSpPr>
+          <p:nvPr>
+            <p:ph type="subTitle" idx="1"/>
+          </p:nvPr>
+        </p:nvSpPr>
+        <p:spPr/>
+        <p:txBody>
+          <a:bodyPr/>
+          <a:lstStyle/>
+          <a:p>
+            <a:endParaRPr lang="en-US"/>
+          </a:p>
+        </p:txBody>
+      </p:sp>
+    </p:spTree>
+    <p:extLst>
+      <p:ext uri="{BB962C8B-B14F-4D97-AF65-F5344CB8AC3E}">
+        <p14:creationId xmlns:p14="http://schemas.microsoft.com/office/powerpoint/2010/main" val="2371352854"/>
+      </p:ext>
+    </p:extLst>
+  </p:cSld>
+  <p:clrMapOvr>
+    <a:masterClrMapping/>
+  </p:clrMapOvr>
+</p:sld>
+</file>
+
+<file path=ppt/slides/slide12.xml><?xml version="1.0" encoding="utf-8"?>
+<p:sld xmlns:a="http://schemas.openxmlformats.org/drawingml/2006/main" xmlns:r="http://schemas.openxmlformats.org/officeDocument/2006/relationships" xmlns:p="http://schemas.openxmlformats.org/presentationml/2006/main">
+  <p:cSld>
+    <p:spTree>
+      <p:nvGrpSpPr>
+        <p:cNvPr id="1" name=""/>
+        <p:cNvGrpSpPr/>
+        <p:nvPr/>
+      </p:nvGrpSpPr>
+      <p:grpSpPr>
+        <a:xfrm>
+          <a:off x="0" y="0"/>
+          <a:ext cx="0" cy="0"/>
+          <a:chOff x="0" y="0"/>
+          <a:chExt cx="0" cy="0"/>
+        </a:xfrm>
+      </p:grpSpPr>
+      <p:sp>
+        <p:nvSpPr>
+          <p:cNvPr id="2" name="Title 1">
+            <a:extLst>
+              <a:ext uri="{FF2B5EF4-FFF2-40B4-BE49-F238E27FC236}">
+                <a16:creationId xmlns:a16="http://schemas.microsoft.com/office/drawing/2014/main" id="{965A297D-E893-1286-C61B-5020649CC4EF}"/>
+              </a:ext>
+            </a:extLst>
+          </p:cNvPr>
+          <p:cNvSpPr>
+            <a:spLocks noGrp="1"/>
+          </p:cNvSpPr>
+          <p:nvPr>
+            <p:ph type="title"/>
+          </p:nvPr>
+        </p:nvSpPr>
+        <p:spPr/>
+        <p:txBody>
+          <a:bodyPr/>
+          <a:lstStyle/>
+          <a:p>
+            <a:r>
+              <a:rPr lang="en-US" dirty="0"/>
+              <a:t>Data analysis &amp; visualization with Copilot</a:t>
+            </a:r>
+          </a:p>
+        </p:txBody>
+      </p:sp>
+      <p:sp>
+        <p:nvSpPr>
+          <p:cNvPr id="3" name="Content Placeholder 2">
+            <a:extLst>
+              <a:ext uri="{FF2B5EF4-FFF2-40B4-BE49-F238E27FC236}">
+                <a16:creationId xmlns:a16="http://schemas.microsoft.com/office/drawing/2014/main" id="{9C97E8A1-2F49-CB7E-062E-D99507FD230D}"/>
+              </a:ext>
+            </a:extLst>
+          </p:cNvPr>
+          <p:cNvSpPr>
+            <a:spLocks noGrp="1"/>
+          </p:cNvSpPr>
+          <p:nvPr>
+            <p:ph idx="1"/>
+          </p:nvPr>
+        </p:nvSpPr>
+        <p:spPr/>
+        <p:txBody>
+          <a:bodyPr/>
+          <a:lstStyle/>
+          <a:p>
+            <a:r>
+              <a:rPr lang="en-US" dirty="0"/>
+              <a:t>Conditional formatting</a:t>
+            </a:r>
+          </a:p>
+          <a:p>
+            <a:r>
+              <a:rPr lang="en-US" dirty="0"/>
+              <a:t>Data analysis</a:t>
+            </a:r>
+          </a:p>
+          <a:p>
+            <a:r>
+              <a:rPr lang="en-US" dirty="0"/>
+              <a:t>Data visualization</a:t>
+            </a:r>
+          </a:p>
+          <a:p>
+            <a:endParaRPr lang="en-US" dirty="0"/>
+          </a:p>
+          <a:p>
+            <a:r>
+              <a:rPr lang="en-US" dirty="0"/>
+              <a:t>File: copilot-analysis-visualization.xlsx</a:t>
+            </a:r>
+          </a:p>
+        </p:txBody>
+      </p:sp>
+    </p:spTree>
+    <p:extLst>
+      <p:ext uri="{BB962C8B-B14F-4D97-AF65-F5344CB8AC3E}">
+        <p14:creationId xmlns:p14="http://schemas.microsoft.com/office/powerpoint/2010/main" val="4130618699"/>
+      </p:ext>
+    </p:extLst>
+  </p:cSld>
+  <p:clrMapOvr>
+    <a:masterClrMapping/>
+  </p:clrMapOvr>
+</p:sld>
+</file>
+
+<file path=ppt/slides/slide13.xml><?xml version="1.0" encoding="utf-8"?>
+<p:sld xmlns:a="http://schemas.openxmlformats.org/drawingml/2006/main" xmlns:r="http://schemas.openxmlformats.org/officeDocument/2006/relationships" xmlns:p="http://schemas.openxmlformats.org/presentationml/2006/main">
+  <p:cSld>
+    <p:spTree>
+      <p:nvGrpSpPr>
+        <p:cNvPr id="1" name=""/>
+        <p:cNvGrpSpPr/>
+        <p:nvPr/>
+      </p:nvGrpSpPr>
+      <p:grpSpPr>
+        <a:xfrm>
+          <a:off x="0" y="0"/>
+          <a:ext cx="0" cy="0"/>
+          <a:chOff x="0" y="0"/>
+          <a:chExt cx="0" cy="0"/>
+        </a:xfrm>
+      </p:grpSpPr>
+      <p:sp>
+        <p:nvSpPr>
+          <p:cNvPr id="2" name="Title 1">
+            <a:extLst>
+              <a:ext uri="{FF2B5EF4-FFF2-40B4-BE49-F238E27FC236}">
+                <a16:creationId xmlns:a16="http://schemas.microsoft.com/office/drawing/2014/main" id="{965A297D-E893-1286-C61B-5020649CC4EF}"/>
+              </a:ext>
+            </a:extLst>
+          </p:cNvPr>
+          <p:cNvSpPr>
+            <a:spLocks noGrp="1"/>
+          </p:cNvSpPr>
+          <p:nvPr>
+            <p:ph type="title"/>
+          </p:nvPr>
+        </p:nvSpPr>
+        <p:spPr/>
+        <p:txBody>
+          <a:bodyPr/>
+          <a:lstStyle/>
+          <a:p>
+            <a:r>
+              <a:rPr lang="en-US" dirty="0"/>
+              <a:t>Data analysis &amp; visualization with Copilot EXERCISES</a:t>
+            </a:r>
+          </a:p>
+        </p:txBody>
+      </p:sp>
+      <p:sp>
+        <p:nvSpPr>
+          <p:cNvPr id="3" name="Content Placeholder 2">
+            <a:extLst>
+              <a:ext uri="{FF2B5EF4-FFF2-40B4-BE49-F238E27FC236}">
+                <a16:creationId xmlns:a16="http://schemas.microsoft.com/office/drawing/2014/main" id="{9C97E8A1-2F49-CB7E-062E-D99507FD230D}"/>
+              </a:ext>
+            </a:extLst>
+          </p:cNvPr>
+          <p:cNvSpPr>
+            <a:spLocks noGrp="1"/>
+          </p:cNvSpPr>
+          <p:nvPr>
+            <p:ph idx="1"/>
+          </p:nvPr>
+        </p:nvSpPr>
+        <p:spPr/>
+        <p:txBody>
+          <a:bodyPr/>
+          <a:lstStyle/>
+          <a:p>
+            <a:r>
+              <a:rPr lang="en-US" dirty="0"/>
+              <a:t>Add data bar conditional format to </a:t>
+            </a:r>
+            <a:r>
+              <a:rPr lang="en-US" dirty="0" err="1"/>
+              <a:t>avg_review</a:t>
+            </a:r>
+            <a:r>
+              <a:rPr lang="en-US" dirty="0"/>
+              <a:t> column</a:t>
+            </a:r>
+          </a:p>
+          <a:p>
+            <a:r>
+              <a:rPr lang="en-US" dirty="0"/>
+              <a:t>Visualize relationship between </a:t>
+            </a:r>
+            <a:r>
+              <a:rPr lang="en-US" dirty="0" err="1"/>
+              <a:t>avg_review</a:t>
+            </a:r>
+            <a:r>
+              <a:rPr lang="en-US" dirty="0"/>
+              <a:t> and </a:t>
+            </a:r>
+            <a:r>
+              <a:rPr lang="en-US" dirty="0" err="1"/>
+              <a:t>return_percentage</a:t>
+            </a:r>
+            <a:endParaRPr lang="en-US" dirty="0"/>
+          </a:p>
+          <a:p>
+            <a:r>
+              <a:rPr lang="en-US" dirty="0"/>
+              <a:t>Chart total revenue over time</a:t>
+            </a:r>
+          </a:p>
+          <a:p>
+            <a:r>
+              <a:rPr lang="en-US" dirty="0"/>
+              <a:t>Find the leading product category based on revenue</a:t>
+            </a:r>
+          </a:p>
+          <a:p>
+            <a:endParaRPr lang="en-US" dirty="0"/>
+          </a:p>
+          <a:p>
+            <a:r>
+              <a:rPr lang="en-US" dirty="0"/>
+              <a:t>File: copilot-analysis-visualization-exercise.xlsx</a:t>
+            </a:r>
+          </a:p>
+          <a:p>
+            <a:pPr marL="0" indent="0">
+              <a:buNone/>
+            </a:pPr>
+            <a:endParaRPr lang="en-US" dirty="0"/>
+          </a:p>
+        </p:txBody>
+      </p:sp>
+    </p:spTree>
+    <p:extLst>
+      <p:ext uri="{BB962C8B-B14F-4D97-AF65-F5344CB8AC3E}">
+        <p14:creationId xmlns:p14="http://schemas.microsoft.com/office/powerpoint/2010/main" val="3058879354"/>
+      </p:ext>
+    </p:extLst>
+  </p:cSld>
+  <p:clrMapOvr>
+    <a:masterClrMapping/>
+  </p:clrMapOvr>
+</p:sld>
+</file>
+
+<file path=ppt/slides/slide14.xml><?xml version="1.0" encoding="utf-8"?>
+<p:sld xmlns:a="http://schemas.openxmlformats.org/drawingml/2006/main" xmlns:r="http://schemas.openxmlformats.org/officeDocument/2006/relationships" xmlns:p="http://schemas.openxmlformats.org/presentationml/2006/main">
+  <p:cSld>
+    <p:spTree>
+      <p:nvGrpSpPr>
+        <p:cNvPr id="1" name=""/>
+        <p:cNvGrpSpPr/>
+        <p:nvPr/>
+      </p:nvGrpSpPr>
+      <p:grpSpPr>
+        <a:xfrm>
+          <a:off x="0" y="0"/>
+          <a:ext cx="0" cy="0"/>
+          <a:chOff x="0" y="0"/>
+          <a:chExt cx="0" cy="0"/>
+        </a:xfrm>
+      </p:grpSpPr>
+      <p:sp>
+        <p:nvSpPr>
+          <p:cNvPr id="2" name="Title 1">
+            <a:extLst>
+              <a:ext uri="{FF2B5EF4-FFF2-40B4-BE49-F238E27FC236}">
+                <a16:creationId xmlns:a16="http://schemas.microsoft.com/office/drawing/2014/main" id="{965A297D-E893-1286-C61B-5020649CC4EF}"/>
+              </a:ext>
+            </a:extLst>
+          </p:cNvPr>
+          <p:cNvSpPr>
+            <a:spLocks noGrp="1"/>
+          </p:cNvSpPr>
+          <p:nvPr>
+            <p:ph type="title"/>
+          </p:nvPr>
+        </p:nvSpPr>
+        <p:spPr/>
+        <p:txBody>
+          <a:bodyPr/>
+          <a:lstStyle/>
+          <a:p>
+            <a:r>
+              <a:rPr lang="en-US" dirty="0"/>
+              <a:t>What questions do you have? </a:t>
+            </a:r>
+          </a:p>
+        </p:txBody>
+      </p:sp>
+      <p:sp>
+        <p:nvSpPr>
+          <p:cNvPr id="3" name="Content Placeholder 2">
+            <a:extLst>
+              <a:ext uri="{FF2B5EF4-FFF2-40B4-BE49-F238E27FC236}">
+                <a16:creationId xmlns:a16="http://schemas.microsoft.com/office/drawing/2014/main" id="{9C97E8A1-2F49-CB7E-062E-D99507FD230D}"/>
+              </a:ext>
+            </a:extLst>
+          </p:cNvPr>
+          <p:cNvSpPr>
+            <a:spLocks noGrp="1"/>
+          </p:cNvSpPr>
+          <p:nvPr>
+            <p:ph idx="1"/>
+          </p:nvPr>
+        </p:nvSpPr>
+        <p:spPr/>
+        <p:txBody>
+          <a:bodyPr/>
+          <a:lstStyle/>
+          <a:p>
+            <a:pPr marL="0" indent="0">
+              <a:buNone/>
+            </a:pPr>
+            <a:endParaRPr lang="en-US" dirty="0"/>
+          </a:p>
+        </p:txBody>
+      </p:sp>
+    </p:spTree>
+    <p:extLst>
+      <p:ext uri="{BB962C8B-B14F-4D97-AF65-F5344CB8AC3E}">
+        <p14:creationId xmlns:p14="http://schemas.microsoft.com/office/powerpoint/2010/main" val="2108344854"/>
+      </p:ext>
+    </p:extLst>
+  </p:cSld>
+  <p:clrMapOvr>
+    <a:masterClrMapping/>
+  </p:clrMapOvr>
+</p:sld>
+</file>
+
 <file path=ppt/slides/slide2.xml><?xml version="1.0" encoding="utf-8"?>
 <p:sld xmlns:a="http://schemas.openxmlformats.org/drawingml/2006/main" xmlns:r="http://schemas.openxmlformats.org/officeDocument/2006/relationships" xmlns:p="http://schemas.openxmlformats.org/presentationml/2006/main">
   <p:cSld>
@@ -3526,15 +4038,15 @@
           <p:cNvPr id="2" name="Title 1">
             <a:extLst>
               <a:ext uri="{FF2B5EF4-FFF2-40B4-BE49-F238E27FC236}">
-                <a16:creationId xmlns:a16="http://schemas.microsoft.com/office/drawing/2014/main" id="{965A297D-E893-1286-C61B-5020649CC4EF}"/>
-              </a:ext>
-            </a:extLst>
-          </p:cNvPr>
-          <p:cNvSpPr>
-            <a:spLocks noGrp="1"/>
-          </p:cNvSpPr>
-          <p:nvPr>
-            <p:ph type="title"/>
+                <a16:creationId xmlns:a16="http://schemas.microsoft.com/office/drawing/2014/main" id="{81B47989-C836-CC0A-608E-2427CBD181BE}"/>
+              </a:ext>
+            </a:extLst>
+          </p:cNvPr>
+          <p:cNvSpPr>
+            <a:spLocks noGrp="1"/>
+          </p:cNvSpPr>
+          <p:nvPr>
+            <p:ph type="ctrTitle"/>
           </p:nvPr>
         </p:nvSpPr>
         <p:spPr/>
@@ -3544,126 +4056,40 @@
           <a:p>
             <a:r>
               <a:rPr lang="en-US" dirty="0"/>
-              <a:t>Exercises</a:t>
-            </a:r>
-          </a:p>
-        </p:txBody>
-      </p:sp>
-      <p:sp>
-        <p:nvSpPr>
-          <p:cNvPr id="3" name="Content Placeholder 2">
-            <a:extLst>
-              <a:ext uri="{FF2B5EF4-FFF2-40B4-BE49-F238E27FC236}">
-                <a16:creationId xmlns:a16="http://schemas.microsoft.com/office/drawing/2014/main" id="{9C97E8A1-2F49-CB7E-062E-D99507FD230D}"/>
-              </a:ext>
-            </a:extLst>
-          </p:cNvPr>
-          <p:cNvSpPr>
-            <a:spLocks noGrp="1"/>
-          </p:cNvSpPr>
-          <p:nvPr>
-            <p:ph idx="1"/>
-          </p:nvPr>
-        </p:nvSpPr>
-        <p:spPr/>
-        <p:txBody>
-          <a:bodyPr/>
-          <a:lstStyle/>
-          <a:p>
-            <a:pPr marL="0" indent="0">
-              <a:buNone/>
-            </a:pPr>
-            <a:r>
-              <a:rPr lang="en-US" dirty="0"/>
-              <a:t>File: </a:t>
-            </a:r>
-            <a:r>
-              <a:rPr lang="en-US" i="1" dirty="0"/>
-              <a:t>penguins.xlsx</a:t>
-            </a:r>
-          </a:p>
-          <a:p>
-            <a:pPr marL="0" indent="0">
-              <a:buNone/>
-            </a:pPr>
-            <a:endParaRPr lang="en-US" dirty="0"/>
-          </a:p>
-          <a:p>
-            <a:r>
-              <a:rPr lang="en-US" dirty="0"/>
-              <a:t>Convert the data to a table named </a:t>
-            </a:r>
-            <a:r>
-              <a:rPr lang="en-US" i="1" dirty="0"/>
-              <a:t>penguins</a:t>
-            </a:r>
-            <a:r>
-              <a:rPr lang="en-US" dirty="0"/>
-              <a:t>. </a:t>
-            </a:r>
-          </a:p>
-          <a:p>
-            <a:r>
-              <a:rPr lang="en-US" dirty="0"/>
-              <a:t>Utilize a formula reference to capitalize each column header. </a:t>
-            </a:r>
-          </a:p>
-          <a:p>
-            <a:r>
-              <a:rPr lang="en-US" dirty="0"/>
-              <a:t>Generate a new column called </a:t>
-            </a:r>
-            <a:r>
-              <a:rPr lang="en-US" i="1" dirty="0" err="1"/>
-              <a:t>bill_ratio</a:t>
-            </a:r>
-            <a:r>
-              <a:rPr lang="en-US" dirty="0"/>
-              <a:t> by dividing </a:t>
-            </a:r>
-            <a:r>
-              <a:rPr lang="en-US" i="1" dirty="0" err="1"/>
-              <a:t>bill_length_mm</a:t>
-            </a:r>
-            <a:r>
-              <a:rPr lang="en-US" dirty="0"/>
-              <a:t> by </a:t>
-            </a:r>
-            <a:r>
-              <a:rPr lang="en-US" i="1" dirty="0" err="1"/>
-              <a:t>bill_depth_mm</a:t>
-            </a:r>
-            <a:r>
-              <a:rPr lang="en-US" dirty="0"/>
-              <a:t>. </a:t>
-            </a:r>
-          </a:p>
-          <a:p>
-            <a:r>
-              <a:rPr lang="en-US" dirty="0"/>
-              <a:t>Include a total row to calculate the average </a:t>
-            </a:r>
-            <a:r>
-              <a:rPr lang="en-US" i="1" dirty="0" err="1"/>
-              <a:t>body_mass_g</a:t>
-            </a:r>
-            <a:r>
-              <a:rPr lang="en-US" dirty="0"/>
-              <a:t>.</a:t>
-            </a:r>
-          </a:p>
-          <a:p>
-            <a:r>
-              <a:rPr lang="en-US" dirty="0"/>
-              <a:t>Remove the banded row styling from the table.</a:t>
-            </a:r>
+              <a:t>1. Data manipulation with Copilot</a:t>
+            </a:r>
+          </a:p>
+        </p:txBody>
+      </p:sp>
+      <p:sp>
+        <p:nvSpPr>
+          <p:cNvPr id="3" name="Subtitle 2">
+            <a:extLst>
+              <a:ext uri="{FF2B5EF4-FFF2-40B4-BE49-F238E27FC236}">
+                <a16:creationId xmlns:a16="http://schemas.microsoft.com/office/drawing/2014/main" id="{564D5E3A-3839-5D49-C48A-F9747014E442}"/>
+              </a:ext>
+            </a:extLst>
+          </p:cNvPr>
+          <p:cNvSpPr>
+            <a:spLocks noGrp="1"/>
+          </p:cNvSpPr>
+          <p:nvPr>
+            <p:ph type="subTitle" idx="1"/>
+          </p:nvPr>
+        </p:nvSpPr>
+        <p:spPr/>
+        <p:txBody>
+          <a:bodyPr/>
+          <a:lstStyle/>
+          <a:p>
+            <a:endParaRPr lang="en-US"/>
           </a:p>
         </p:txBody>
       </p:sp>
     </p:spTree>
     <p:extLst>
       <p:ext uri="{BB962C8B-B14F-4D97-AF65-F5344CB8AC3E}">
-        <p14:creationId xmlns:p14="http://schemas.microsoft.com/office/powerpoint/2010/main" val="3111794593"/>
+        <p14:creationId xmlns:p14="http://schemas.microsoft.com/office/powerpoint/2010/main" val="2569913180"/>
       </p:ext>
     </p:extLst>
   </p:cSld>
@@ -3713,7 +4139,7 @@
           <a:p>
             <a:r>
               <a:rPr lang="en-US" dirty="0"/>
-              <a:t>What questions do you have? </a:t>
+              <a:t>Data manipulation with Copilot</a:t>
             </a:r>
           </a:p>
         </p:txBody>
@@ -3738,6 +4164,33 @@
         <p:txBody>
           <a:bodyPr/>
           <a:lstStyle/>
+          <a:p>
+            <a:r>
+              <a:rPr lang="en-US" dirty="0"/>
+              <a:t>Getting data into Copilot</a:t>
+            </a:r>
+          </a:p>
+          <a:p>
+            <a:r>
+              <a:rPr lang="en-US" dirty="0"/>
+              <a:t>A tour of the Copilot editor</a:t>
+            </a:r>
+          </a:p>
+          <a:p>
+            <a:r>
+              <a:rPr lang="en-US" dirty="0"/>
+              <a:t>Table formatting with Copilot</a:t>
+            </a:r>
+          </a:p>
+          <a:p>
+            <a:endParaRPr lang="en-US" dirty="0"/>
+          </a:p>
+          <a:p>
+            <a:r>
+              <a:rPr lang="en-US" dirty="0"/>
+              <a:t>File: copilot-data-manipulation.xlsx</a:t>
+            </a:r>
+          </a:p>
           <a:p>
             <a:pPr marL="0" indent="0">
               <a:buNone/>
@@ -3749,7 +4202,551 @@
     </p:spTree>
     <p:extLst>
       <p:ext uri="{BB962C8B-B14F-4D97-AF65-F5344CB8AC3E}">
-        <p14:creationId xmlns:p14="http://schemas.microsoft.com/office/powerpoint/2010/main" val="2108344854"/>
+        <p14:creationId xmlns:p14="http://schemas.microsoft.com/office/powerpoint/2010/main" val="3234828478"/>
+      </p:ext>
+    </p:extLst>
+  </p:cSld>
+  <p:clrMapOvr>
+    <a:masterClrMapping/>
+  </p:clrMapOvr>
+</p:sld>
+</file>
+
+<file path=ppt/slides/slide5.xml><?xml version="1.0" encoding="utf-8"?>
+<p:sld xmlns:a="http://schemas.openxmlformats.org/drawingml/2006/main" xmlns:r="http://schemas.openxmlformats.org/officeDocument/2006/relationships" xmlns:p="http://schemas.openxmlformats.org/presentationml/2006/main">
+  <p:cSld>
+    <p:spTree>
+      <p:nvGrpSpPr>
+        <p:cNvPr id="1" name=""/>
+        <p:cNvGrpSpPr/>
+        <p:nvPr/>
+      </p:nvGrpSpPr>
+      <p:grpSpPr>
+        <a:xfrm>
+          <a:off x="0" y="0"/>
+          <a:ext cx="0" cy="0"/>
+          <a:chOff x="0" y="0"/>
+          <a:chExt cx="0" cy="0"/>
+        </a:xfrm>
+      </p:grpSpPr>
+      <p:sp>
+        <p:nvSpPr>
+          <p:cNvPr id="2" name="Title 1">
+            <a:extLst>
+              <a:ext uri="{FF2B5EF4-FFF2-40B4-BE49-F238E27FC236}">
+                <a16:creationId xmlns:a16="http://schemas.microsoft.com/office/drawing/2014/main" id="{965A297D-E893-1286-C61B-5020649CC4EF}"/>
+              </a:ext>
+            </a:extLst>
+          </p:cNvPr>
+          <p:cNvSpPr>
+            <a:spLocks noGrp="1"/>
+          </p:cNvSpPr>
+          <p:nvPr>
+            <p:ph type="title"/>
+          </p:nvPr>
+        </p:nvSpPr>
+        <p:spPr/>
+        <p:txBody>
+          <a:bodyPr/>
+          <a:lstStyle/>
+          <a:p>
+            <a:r>
+              <a:rPr lang="en-US" dirty="0"/>
+              <a:t>Data manipulation with Copilot EXERCISES</a:t>
+            </a:r>
+          </a:p>
+        </p:txBody>
+      </p:sp>
+      <p:sp>
+        <p:nvSpPr>
+          <p:cNvPr id="3" name="Content Placeholder 2">
+            <a:extLst>
+              <a:ext uri="{FF2B5EF4-FFF2-40B4-BE49-F238E27FC236}">
+                <a16:creationId xmlns:a16="http://schemas.microsoft.com/office/drawing/2014/main" id="{9C97E8A1-2F49-CB7E-062E-D99507FD230D}"/>
+              </a:ext>
+            </a:extLst>
+          </p:cNvPr>
+          <p:cNvSpPr>
+            <a:spLocks noGrp="1"/>
+          </p:cNvSpPr>
+          <p:nvPr>
+            <p:ph idx="1"/>
+          </p:nvPr>
+        </p:nvSpPr>
+        <p:spPr/>
+        <p:txBody>
+          <a:bodyPr/>
+          <a:lstStyle/>
+          <a:p>
+            <a:r>
+              <a:rPr lang="en-US" dirty="0"/>
+              <a:t>Set up the data for Copilot </a:t>
+            </a:r>
+          </a:p>
+          <a:p>
+            <a:r>
+              <a:rPr lang="en-US" dirty="0"/>
+              <a:t>Format the date column in mm/dd/</a:t>
+            </a:r>
+            <a:r>
+              <a:rPr lang="en-US" dirty="0" err="1"/>
+              <a:t>yyyy</a:t>
+            </a:r>
+            <a:r>
+              <a:rPr lang="en-US" dirty="0"/>
+              <a:t> format</a:t>
+            </a:r>
+          </a:p>
+          <a:p>
+            <a:r>
+              <a:rPr lang="en-US" dirty="0"/>
+              <a:t>Format price and sales columns as currency</a:t>
+            </a:r>
+          </a:p>
+          <a:p>
+            <a:r>
+              <a:rPr lang="en-US" dirty="0"/>
+              <a:t>Add footer to display total sales</a:t>
+            </a:r>
+          </a:p>
+          <a:p>
+            <a:r>
+              <a:rPr lang="en-US" dirty="0"/>
+              <a:t>Set table’s font size to 30</a:t>
+            </a:r>
+          </a:p>
+          <a:p>
+            <a:endParaRPr lang="en-US" dirty="0"/>
+          </a:p>
+          <a:p>
+            <a:r>
+              <a:rPr lang="en-US" dirty="0"/>
+              <a:t>File: copilot-data-manipulation-challenge.xlsx</a:t>
+            </a:r>
+          </a:p>
+          <a:p>
+            <a:pPr marL="0" indent="0">
+              <a:buNone/>
+            </a:pPr>
+            <a:endParaRPr lang="en-US" dirty="0"/>
+          </a:p>
+        </p:txBody>
+      </p:sp>
+    </p:spTree>
+    <p:extLst>
+      <p:ext uri="{BB962C8B-B14F-4D97-AF65-F5344CB8AC3E}">
+        <p14:creationId xmlns:p14="http://schemas.microsoft.com/office/powerpoint/2010/main" val="3216089367"/>
+      </p:ext>
+    </p:extLst>
+  </p:cSld>
+  <p:clrMapOvr>
+    <a:masterClrMapping/>
+  </p:clrMapOvr>
+</p:sld>
+</file>
+
+<file path=ppt/slides/slide6.xml><?xml version="1.0" encoding="utf-8"?>
+<p:sld xmlns:a="http://schemas.openxmlformats.org/drawingml/2006/main" xmlns:r="http://schemas.openxmlformats.org/officeDocument/2006/relationships" xmlns:p="http://schemas.openxmlformats.org/presentationml/2006/main">
+  <p:cSld>
+    <p:spTree>
+      <p:nvGrpSpPr>
+        <p:cNvPr id="1" name=""/>
+        <p:cNvGrpSpPr/>
+        <p:nvPr/>
+      </p:nvGrpSpPr>
+      <p:grpSpPr>
+        <a:xfrm>
+          <a:off x="0" y="0"/>
+          <a:ext cx="0" cy="0"/>
+          <a:chOff x="0" y="0"/>
+          <a:chExt cx="0" cy="0"/>
+        </a:xfrm>
+      </p:grpSpPr>
+      <p:sp>
+        <p:nvSpPr>
+          <p:cNvPr id="2" name="Title 1">
+            <a:extLst>
+              <a:ext uri="{FF2B5EF4-FFF2-40B4-BE49-F238E27FC236}">
+                <a16:creationId xmlns:a16="http://schemas.microsoft.com/office/drawing/2014/main" id="{965A297D-E893-1286-C61B-5020649CC4EF}"/>
+              </a:ext>
+            </a:extLst>
+          </p:cNvPr>
+          <p:cNvSpPr>
+            <a:spLocks noGrp="1"/>
+          </p:cNvSpPr>
+          <p:nvPr>
+            <p:ph type="title"/>
+          </p:nvPr>
+        </p:nvSpPr>
+        <p:spPr/>
+        <p:txBody>
+          <a:bodyPr/>
+          <a:lstStyle/>
+          <a:p>
+            <a:r>
+              <a:rPr lang="en-US" dirty="0"/>
+              <a:t>What questions do you have? </a:t>
+            </a:r>
+          </a:p>
+        </p:txBody>
+      </p:sp>
+      <p:sp>
+        <p:nvSpPr>
+          <p:cNvPr id="3" name="Content Placeholder 2">
+            <a:extLst>
+              <a:ext uri="{FF2B5EF4-FFF2-40B4-BE49-F238E27FC236}">
+                <a16:creationId xmlns:a16="http://schemas.microsoft.com/office/drawing/2014/main" id="{9C97E8A1-2F49-CB7E-062E-D99507FD230D}"/>
+              </a:ext>
+            </a:extLst>
+          </p:cNvPr>
+          <p:cNvSpPr>
+            <a:spLocks noGrp="1"/>
+          </p:cNvSpPr>
+          <p:nvPr>
+            <p:ph idx="1"/>
+          </p:nvPr>
+        </p:nvSpPr>
+        <p:spPr/>
+        <p:txBody>
+          <a:bodyPr/>
+          <a:lstStyle/>
+          <a:p>
+            <a:pPr marL="0" indent="0">
+              <a:buNone/>
+            </a:pPr>
+            <a:endParaRPr lang="en-US" dirty="0"/>
+          </a:p>
+        </p:txBody>
+      </p:sp>
+    </p:spTree>
+    <p:extLst>
+      <p:ext uri="{BB962C8B-B14F-4D97-AF65-F5344CB8AC3E}">
+        <p14:creationId xmlns:p14="http://schemas.microsoft.com/office/powerpoint/2010/main" val="4035596402"/>
+      </p:ext>
+    </p:extLst>
+  </p:cSld>
+  <p:clrMapOvr>
+    <a:masterClrMapping/>
+  </p:clrMapOvr>
+</p:sld>
+</file>
+
+<file path=ppt/slides/slide7.xml><?xml version="1.0" encoding="utf-8"?>
+<p:sld xmlns:a="http://schemas.openxmlformats.org/drawingml/2006/main" xmlns:r="http://schemas.openxmlformats.org/officeDocument/2006/relationships" xmlns:p="http://schemas.openxmlformats.org/presentationml/2006/main">
+  <p:cSld>
+    <p:spTree>
+      <p:nvGrpSpPr>
+        <p:cNvPr id="1" name=""/>
+        <p:cNvGrpSpPr/>
+        <p:nvPr/>
+      </p:nvGrpSpPr>
+      <p:grpSpPr>
+        <a:xfrm>
+          <a:off x="0" y="0"/>
+          <a:ext cx="0" cy="0"/>
+          <a:chOff x="0" y="0"/>
+          <a:chExt cx="0" cy="0"/>
+        </a:xfrm>
+      </p:grpSpPr>
+      <p:sp>
+        <p:nvSpPr>
+          <p:cNvPr id="2" name="Title 1">
+            <a:extLst>
+              <a:ext uri="{FF2B5EF4-FFF2-40B4-BE49-F238E27FC236}">
+                <a16:creationId xmlns:a16="http://schemas.microsoft.com/office/drawing/2014/main" id="{81B47989-C836-CC0A-608E-2427CBD181BE}"/>
+              </a:ext>
+            </a:extLst>
+          </p:cNvPr>
+          <p:cNvSpPr>
+            <a:spLocks noGrp="1"/>
+          </p:cNvSpPr>
+          <p:nvPr>
+            <p:ph type="ctrTitle"/>
+          </p:nvPr>
+        </p:nvSpPr>
+        <p:spPr/>
+        <p:txBody>
+          <a:bodyPr/>
+          <a:lstStyle/>
+          <a:p>
+            <a:r>
+              <a:rPr lang="en-US" dirty="0"/>
+              <a:t>2. Data management with Copilot</a:t>
+            </a:r>
+          </a:p>
+        </p:txBody>
+      </p:sp>
+      <p:sp>
+        <p:nvSpPr>
+          <p:cNvPr id="3" name="Subtitle 2">
+            <a:extLst>
+              <a:ext uri="{FF2B5EF4-FFF2-40B4-BE49-F238E27FC236}">
+                <a16:creationId xmlns:a16="http://schemas.microsoft.com/office/drawing/2014/main" id="{564D5E3A-3839-5D49-C48A-F9747014E442}"/>
+              </a:ext>
+            </a:extLst>
+          </p:cNvPr>
+          <p:cNvSpPr>
+            <a:spLocks noGrp="1"/>
+          </p:cNvSpPr>
+          <p:nvPr>
+            <p:ph type="subTitle" idx="1"/>
+          </p:nvPr>
+        </p:nvSpPr>
+        <p:spPr/>
+        <p:txBody>
+          <a:bodyPr/>
+          <a:lstStyle/>
+          <a:p>
+            <a:endParaRPr lang="en-US"/>
+          </a:p>
+        </p:txBody>
+      </p:sp>
+    </p:spTree>
+    <p:extLst>
+      <p:ext uri="{BB962C8B-B14F-4D97-AF65-F5344CB8AC3E}">
+        <p14:creationId xmlns:p14="http://schemas.microsoft.com/office/powerpoint/2010/main" val="4091002001"/>
+      </p:ext>
+    </p:extLst>
+  </p:cSld>
+  <p:clrMapOvr>
+    <a:masterClrMapping/>
+  </p:clrMapOvr>
+</p:sld>
+</file>
+
+<file path=ppt/slides/slide8.xml><?xml version="1.0" encoding="utf-8"?>
+<p:sld xmlns:a="http://schemas.openxmlformats.org/drawingml/2006/main" xmlns:r="http://schemas.openxmlformats.org/officeDocument/2006/relationships" xmlns:p="http://schemas.openxmlformats.org/presentationml/2006/main">
+  <p:cSld>
+    <p:spTree>
+      <p:nvGrpSpPr>
+        <p:cNvPr id="1" name=""/>
+        <p:cNvGrpSpPr/>
+        <p:nvPr/>
+      </p:nvGrpSpPr>
+      <p:grpSpPr>
+        <a:xfrm>
+          <a:off x="0" y="0"/>
+          <a:ext cx="0" cy="0"/>
+          <a:chOff x="0" y="0"/>
+          <a:chExt cx="0" cy="0"/>
+        </a:xfrm>
+      </p:grpSpPr>
+      <p:sp>
+        <p:nvSpPr>
+          <p:cNvPr id="2" name="Title 1">
+            <a:extLst>
+              <a:ext uri="{FF2B5EF4-FFF2-40B4-BE49-F238E27FC236}">
+                <a16:creationId xmlns:a16="http://schemas.microsoft.com/office/drawing/2014/main" id="{965A297D-E893-1286-C61B-5020649CC4EF}"/>
+              </a:ext>
+            </a:extLst>
+          </p:cNvPr>
+          <p:cNvSpPr>
+            <a:spLocks noGrp="1"/>
+          </p:cNvSpPr>
+          <p:nvPr>
+            <p:ph type="title"/>
+          </p:nvPr>
+        </p:nvSpPr>
+        <p:spPr/>
+        <p:txBody>
+          <a:bodyPr/>
+          <a:lstStyle/>
+          <a:p>
+            <a:r>
+              <a:rPr lang="en-US" dirty="0"/>
+              <a:t>Data management with Copilot</a:t>
+            </a:r>
+          </a:p>
+        </p:txBody>
+      </p:sp>
+      <p:sp>
+        <p:nvSpPr>
+          <p:cNvPr id="3" name="Content Placeholder 2">
+            <a:extLst>
+              <a:ext uri="{FF2B5EF4-FFF2-40B4-BE49-F238E27FC236}">
+                <a16:creationId xmlns:a16="http://schemas.microsoft.com/office/drawing/2014/main" id="{9C97E8A1-2F49-CB7E-062E-D99507FD230D}"/>
+              </a:ext>
+            </a:extLst>
+          </p:cNvPr>
+          <p:cNvSpPr>
+            <a:spLocks noGrp="1"/>
+          </p:cNvSpPr>
+          <p:nvPr>
+            <p:ph idx="1"/>
+          </p:nvPr>
+        </p:nvSpPr>
+        <p:spPr/>
+        <p:txBody>
+          <a:bodyPr/>
+          <a:lstStyle/>
+          <a:p>
+            <a:r>
+              <a:rPr lang="en-US" dirty="0"/>
+              <a:t>Working with formulas and functions</a:t>
+            </a:r>
+          </a:p>
+          <a:p>
+            <a:r>
+              <a:rPr lang="en-US" dirty="0"/>
+              <a:t>Data profiling</a:t>
+            </a:r>
+          </a:p>
+          <a:p>
+            <a:r>
+              <a:rPr lang="en-US" dirty="0"/>
+              <a:t>Sorting and filtering</a:t>
+            </a:r>
+          </a:p>
+          <a:p>
+            <a:endParaRPr lang="en-US" dirty="0"/>
+          </a:p>
+          <a:p>
+            <a:r>
+              <a:rPr lang="en-US" dirty="0"/>
+              <a:t>File: copilot-data-management.xlsx</a:t>
+            </a:r>
+          </a:p>
+        </p:txBody>
+      </p:sp>
+    </p:spTree>
+    <p:extLst>
+      <p:ext uri="{BB962C8B-B14F-4D97-AF65-F5344CB8AC3E}">
+        <p14:creationId xmlns:p14="http://schemas.microsoft.com/office/powerpoint/2010/main" val="362185809"/>
+      </p:ext>
+    </p:extLst>
+  </p:cSld>
+  <p:clrMapOvr>
+    <a:masterClrMapping/>
+  </p:clrMapOvr>
+</p:sld>
+</file>
+
+<file path=ppt/slides/slide9.xml><?xml version="1.0" encoding="utf-8"?>
+<p:sld xmlns:a="http://schemas.openxmlformats.org/drawingml/2006/main" xmlns:r="http://schemas.openxmlformats.org/officeDocument/2006/relationships" xmlns:p="http://schemas.openxmlformats.org/presentationml/2006/main">
+  <p:cSld>
+    <p:spTree>
+      <p:nvGrpSpPr>
+        <p:cNvPr id="1" name=""/>
+        <p:cNvGrpSpPr/>
+        <p:nvPr/>
+      </p:nvGrpSpPr>
+      <p:grpSpPr>
+        <a:xfrm>
+          <a:off x="0" y="0"/>
+          <a:ext cx="0" cy="0"/>
+          <a:chOff x="0" y="0"/>
+          <a:chExt cx="0" cy="0"/>
+        </a:xfrm>
+      </p:grpSpPr>
+      <p:sp>
+        <p:nvSpPr>
+          <p:cNvPr id="2" name="Title 1">
+            <a:extLst>
+              <a:ext uri="{FF2B5EF4-FFF2-40B4-BE49-F238E27FC236}">
+                <a16:creationId xmlns:a16="http://schemas.microsoft.com/office/drawing/2014/main" id="{965A297D-E893-1286-C61B-5020649CC4EF}"/>
+              </a:ext>
+            </a:extLst>
+          </p:cNvPr>
+          <p:cNvSpPr>
+            <a:spLocks noGrp="1"/>
+          </p:cNvSpPr>
+          <p:nvPr>
+            <p:ph type="title"/>
+          </p:nvPr>
+        </p:nvSpPr>
+        <p:spPr/>
+        <p:txBody>
+          <a:bodyPr/>
+          <a:lstStyle/>
+          <a:p>
+            <a:r>
+              <a:rPr lang="en-US" dirty="0"/>
+              <a:t>Data management with Copilot EXERCISES</a:t>
+            </a:r>
+          </a:p>
+        </p:txBody>
+      </p:sp>
+      <p:sp>
+        <p:nvSpPr>
+          <p:cNvPr id="3" name="Content Placeholder 2">
+            <a:extLst>
+              <a:ext uri="{FF2B5EF4-FFF2-40B4-BE49-F238E27FC236}">
+                <a16:creationId xmlns:a16="http://schemas.microsoft.com/office/drawing/2014/main" id="{9C97E8A1-2F49-CB7E-062E-D99507FD230D}"/>
+              </a:ext>
+            </a:extLst>
+          </p:cNvPr>
+          <p:cNvSpPr>
+            <a:spLocks noGrp="1"/>
+          </p:cNvSpPr>
+          <p:nvPr>
+            <p:ph idx="1"/>
+          </p:nvPr>
+        </p:nvSpPr>
+        <p:spPr/>
+        <p:txBody>
+          <a:bodyPr/>
+          <a:lstStyle/>
+          <a:p>
+            <a:r>
+              <a:rPr lang="en-US" dirty="0"/>
+              <a:t>Add </a:t>
+            </a:r>
+            <a:r>
+              <a:rPr lang="en-US" dirty="0" err="1"/>
+              <a:t>total_sales</a:t>
+            </a:r>
+            <a:r>
+              <a:rPr lang="en-US" dirty="0"/>
+              <a:t> column: price * quantity</a:t>
+            </a:r>
+          </a:p>
+          <a:p>
+            <a:r>
+              <a:rPr lang="en-US" dirty="0"/>
+              <a:t>Hide price and quantity columns</a:t>
+            </a:r>
+          </a:p>
+          <a:p>
+            <a:r>
+              <a:rPr lang="en-US" dirty="0"/>
+              <a:t>Count the number of products in each category</a:t>
+            </a:r>
+          </a:p>
+          <a:p>
+            <a:r>
+              <a:rPr lang="en-US" dirty="0"/>
+              <a:t>Arrange dataset by </a:t>
+            </a:r>
+            <a:r>
+              <a:rPr lang="en-US" dirty="0" err="1"/>
+              <a:t>total_sales</a:t>
+            </a:r>
+            <a:r>
+              <a:rPr lang="en-US" dirty="0"/>
+              <a:t>, descending</a:t>
+            </a:r>
+          </a:p>
+          <a:p>
+            <a:endParaRPr lang="en-US" dirty="0"/>
+          </a:p>
+          <a:p>
+            <a:r>
+              <a:rPr lang="en-US" dirty="0"/>
+              <a:t>File: copilot-data-management-challenge.xlsx</a:t>
+            </a:r>
+          </a:p>
+          <a:p>
+            <a:pPr marL="0" indent="0">
+              <a:buNone/>
+            </a:pPr>
+            <a:endParaRPr lang="en-US" dirty="0"/>
+          </a:p>
+        </p:txBody>
+      </p:sp>
+    </p:spTree>
+    <p:extLst>
+      <p:ext uri="{BB962C8B-B14F-4D97-AF65-F5344CB8AC3E}">
+        <p14:creationId xmlns:p14="http://schemas.microsoft.com/office/powerpoint/2010/main" val="1373002029"/>
       </p:ext>
     </p:extLst>
   </p:cSld>
